--- a/docs/mockup.pptx
+++ b/docs/mockup.pptx
@@ -6420,7 +6420,7 @@
         <p:spPr>
           <a:xfrm>
             <a:off x="3323654" y="2500854"/>
-            <a:ext cx="391287" cy="371856"/>
+            <a:ext cx="451295" cy="450278"/>
           </a:xfrm>
           <a:prstGeom prst="ellipse">
             <a:avLst/>
@@ -6475,7 +6475,7 @@
         <p:spPr>
           <a:xfrm>
             <a:off x="3323654" y="1825625"/>
-            <a:ext cx="391287" cy="371856"/>
+            <a:ext cx="451295" cy="450278"/>
           </a:xfrm>
           <a:prstGeom prst="ellipse">
             <a:avLst/>
@@ -6530,7 +6530,7 @@
         <p:spPr>
           <a:xfrm>
             <a:off x="3323654" y="3774386"/>
-            <a:ext cx="391287" cy="371856"/>
+            <a:ext cx="451295" cy="450278"/>
           </a:xfrm>
           <a:prstGeom prst="ellipse">
             <a:avLst/>
@@ -6585,7 +6585,7 @@
         <p:spPr>
           <a:xfrm>
             <a:off x="3323654" y="3099157"/>
-            <a:ext cx="391287" cy="371856"/>
+            <a:ext cx="451295" cy="450278"/>
           </a:xfrm>
           <a:prstGeom prst="ellipse">
             <a:avLst/>
@@ -6640,7 +6640,7 @@
         <p:spPr>
           <a:xfrm>
             <a:off x="8160830" y="2500854"/>
-            <a:ext cx="391287" cy="371856"/>
+            <a:ext cx="451295" cy="450278"/>
           </a:xfrm>
           <a:prstGeom prst="ellipse">
             <a:avLst/>
@@ -6695,7 +6695,7 @@
         <p:spPr>
           <a:xfrm>
             <a:off x="8160830" y="1825625"/>
-            <a:ext cx="391287" cy="371856"/>
+            <a:ext cx="451295" cy="450278"/>
           </a:xfrm>
           <a:prstGeom prst="ellipse">
             <a:avLst/>
@@ -6750,7 +6750,7 @@
         <p:spPr>
           <a:xfrm>
             <a:off x="8160830" y="3774386"/>
-            <a:ext cx="391287" cy="371856"/>
+            <a:ext cx="451295" cy="450278"/>
           </a:xfrm>
           <a:prstGeom prst="ellipse">
             <a:avLst/>
@@ -6805,7 +6805,7 @@
         <p:spPr>
           <a:xfrm>
             <a:off x="8160830" y="3099157"/>
-            <a:ext cx="391287" cy="371856"/>
+            <a:ext cx="451295" cy="450278"/>
           </a:xfrm>
           <a:prstGeom prst="ellipse">
             <a:avLst/>
@@ -6860,7 +6860,7 @@
         <p:spPr>
           <a:xfrm>
             <a:off x="2587847" y="2179989"/>
-            <a:ext cx="391287" cy="371856"/>
+            <a:ext cx="451295" cy="450278"/>
           </a:xfrm>
           <a:prstGeom prst="ellipse">
             <a:avLst/>
@@ -6915,7 +6915,7 @@
         <p:spPr>
           <a:xfrm>
             <a:off x="2587847" y="1504760"/>
-            <a:ext cx="391287" cy="371856"/>
+            <a:ext cx="451295" cy="450278"/>
           </a:xfrm>
           <a:prstGeom prst="ellipse">
             <a:avLst/>
@@ -6970,7 +6970,7 @@
         <p:spPr>
           <a:xfrm>
             <a:off x="2587847" y="3453521"/>
-            <a:ext cx="391287" cy="371856"/>
+            <a:ext cx="451295" cy="450278"/>
           </a:xfrm>
           <a:prstGeom prst="ellipse">
             <a:avLst/>
@@ -7025,7 +7025,7 @@
         <p:spPr>
           <a:xfrm>
             <a:off x="2587847" y="2778292"/>
-            <a:ext cx="391287" cy="371856"/>
+            <a:ext cx="451295" cy="450278"/>
           </a:xfrm>
           <a:prstGeom prst="ellipse">
             <a:avLst/>
@@ -7080,7 +7080,7 @@
         <p:spPr>
           <a:xfrm>
             <a:off x="8934069" y="2167977"/>
-            <a:ext cx="391287" cy="371856"/>
+            <a:ext cx="451295" cy="450278"/>
           </a:xfrm>
           <a:prstGeom prst="ellipse">
             <a:avLst/>
@@ -7135,7 +7135,7 @@
         <p:spPr>
           <a:xfrm>
             <a:off x="8934069" y="1492748"/>
-            <a:ext cx="391287" cy="371856"/>
+            <a:ext cx="451295" cy="450278"/>
           </a:xfrm>
           <a:prstGeom prst="ellipse">
             <a:avLst/>
@@ -7190,7 +7190,7 @@
         <p:spPr>
           <a:xfrm>
             <a:off x="8934069" y="3441509"/>
-            <a:ext cx="391287" cy="371856"/>
+            <a:ext cx="451295" cy="450278"/>
           </a:xfrm>
           <a:prstGeom prst="ellipse">
             <a:avLst/>
@@ -7245,7 +7245,7 @@
         <p:spPr>
           <a:xfrm>
             <a:off x="8934069" y="2766280"/>
-            <a:ext cx="391287" cy="371856"/>
+            <a:ext cx="451295" cy="450278"/>
           </a:xfrm>
           <a:prstGeom prst="ellipse">
             <a:avLst/>
@@ -7300,7 +7300,7 @@
         <p:spPr>
           <a:xfrm>
             <a:off x="8934068" y="4112499"/>
-            <a:ext cx="391287" cy="371856"/>
+            <a:ext cx="451295" cy="450278"/>
           </a:xfrm>
           <a:prstGeom prst="ellipse">
             <a:avLst/>
@@ -7355,7 +7355,7 @@
         <p:spPr>
           <a:xfrm>
             <a:off x="2587846" y="4145982"/>
-            <a:ext cx="391287" cy="371856"/>
+            <a:ext cx="451295" cy="450278"/>
           </a:xfrm>
           <a:prstGeom prst="ellipse">
             <a:avLst/>
